--- a/황성준/2021-11-03_TV.pptx
+++ b/황성준/2021-11-03_TV.pptx
@@ -5505,7 +5505,7 @@
                   <a:srgbClr val="FF0000"/>
                 </a:solidFill>
               </a:rPr>
-              <a:t>입고수량 관리 </a:t>
+              <a:t>출고수량 관리 </a:t>
             </a:r>
             <a:endParaRPr lang="en-US" altLang="ko-KR" sz="1200" b="1" dirty="0">
               <a:solidFill>
